--- a/DSP/MIkkel-PowerPoints/DSP-06_finit-word-length-range-SNR-scale-IIR.pptx
+++ b/DSP/MIkkel-PowerPoints/DSP-06_finit-word-length-range-SNR-scale-IIR.pptx
@@ -727,7 +727,7 @@
           <a:p>
             <a:fld id="{846CE7D5-CF57-46EF-B807-FDD0502418D4}" type="datetimeFigureOut">
               <a:rPr lang="en-US" smtClean="0"/>
-              <a:t>1/14/2025</a:t>
+              <a:t>1/15/2025</a:t>
             </a:fld>
             <a:endParaRPr lang="en-US"/>
           </a:p>
@@ -769,7 +769,7 @@
           <a:p>
             <a:fld id="{330EA680-D336-4FF7-8B7A-9848BB0A1C32}" type="slidenum">
               <a:rPr lang="en-US" smtClean="0"/>
-              <a:t>‹#›</a:t>
+              <a:t>‹nr.›</a:t>
             </a:fld>
             <a:endParaRPr lang="en-US"/>
           </a:p>
@@ -897,7 +897,7 @@
           <a:p>
             <a:fld id="{846CE7D5-CF57-46EF-B807-FDD0502418D4}" type="datetimeFigureOut">
               <a:rPr lang="en-US" smtClean="0"/>
-              <a:t>1/14/2025</a:t>
+              <a:t>1/15/2025</a:t>
             </a:fld>
             <a:endParaRPr lang="en-US"/>
           </a:p>
@@ -939,7 +939,7 @@
           <a:p>
             <a:fld id="{330EA680-D336-4FF7-8B7A-9848BB0A1C32}" type="slidenum">
               <a:rPr lang="en-US" smtClean="0"/>
-              <a:t>‹#›</a:t>
+              <a:t>‹nr.›</a:t>
             </a:fld>
             <a:endParaRPr lang="en-US"/>
           </a:p>
@@ -1077,7 +1077,7 @@
           <a:p>
             <a:fld id="{846CE7D5-CF57-46EF-B807-FDD0502418D4}" type="datetimeFigureOut">
               <a:rPr lang="en-US" smtClean="0"/>
-              <a:t>1/14/2025</a:t>
+              <a:t>1/15/2025</a:t>
             </a:fld>
             <a:endParaRPr lang="en-US"/>
           </a:p>
@@ -1119,7 +1119,7 @@
           <a:p>
             <a:fld id="{330EA680-D336-4FF7-8B7A-9848BB0A1C32}" type="slidenum">
               <a:rPr lang="en-US" smtClean="0"/>
-              <a:t>‹#›</a:t>
+              <a:t>‹nr.›</a:t>
             </a:fld>
             <a:endParaRPr lang="en-US"/>
           </a:p>
@@ -1247,7 +1247,7 @@
           <a:p>
             <a:fld id="{846CE7D5-CF57-46EF-B807-FDD0502418D4}" type="datetimeFigureOut">
               <a:rPr lang="en-US" smtClean="0"/>
-              <a:t>1/14/2025</a:t>
+              <a:t>1/15/2025</a:t>
             </a:fld>
             <a:endParaRPr lang="en-US"/>
           </a:p>
@@ -1289,7 +1289,7 @@
           <a:p>
             <a:fld id="{330EA680-D336-4FF7-8B7A-9848BB0A1C32}" type="slidenum">
               <a:rPr lang="en-US" smtClean="0"/>
-              <a:t>‹#›</a:t>
+              <a:t>‹nr.›</a:t>
             </a:fld>
             <a:endParaRPr lang="en-US"/>
           </a:p>
@@ -1493,7 +1493,7 @@
           <a:p>
             <a:fld id="{846CE7D5-CF57-46EF-B807-FDD0502418D4}" type="datetimeFigureOut">
               <a:rPr lang="en-US" smtClean="0"/>
-              <a:t>1/14/2025</a:t>
+              <a:t>1/15/2025</a:t>
             </a:fld>
             <a:endParaRPr lang="en-US"/>
           </a:p>
@@ -1535,7 +1535,7 @@
           <a:p>
             <a:fld id="{330EA680-D336-4FF7-8B7A-9848BB0A1C32}" type="slidenum">
               <a:rPr lang="en-US" smtClean="0"/>
-              <a:t>‹#›</a:t>
+              <a:t>‹nr.›</a:t>
             </a:fld>
             <a:endParaRPr lang="en-US"/>
           </a:p>
@@ -1725,7 +1725,7 @@
           <a:p>
             <a:fld id="{846CE7D5-CF57-46EF-B807-FDD0502418D4}" type="datetimeFigureOut">
               <a:rPr lang="en-US" smtClean="0"/>
-              <a:t>1/14/2025</a:t>
+              <a:t>1/15/2025</a:t>
             </a:fld>
             <a:endParaRPr lang="en-US"/>
           </a:p>
@@ -1767,7 +1767,7 @@
           <a:p>
             <a:fld id="{330EA680-D336-4FF7-8B7A-9848BB0A1C32}" type="slidenum">
               <a:rPr lang="en-US" smtClean="0"/>
-              <a:t>‹#›</a:t>
+              <a:t>‹nr.›</a:t>
             </a:fld>
             <a:endParaRPr lang="en-US"/>
           </a:p>
@@ -2092,7 +2092,7 @@
           <a:p>
             <a:fld id="{846CE7D5-CF57-46EF-B807-FDD0502418D4}" type="datetimeFigureOut">
               <a:rPr lang="en-US" smtClean="0"/>
-              <a:t>1/14/2025</a:t>
+              <a:t>1/15/2025</a:t>
             </a:fld>
             <a:endParaRPr lang="en-US"/>
           </a:p>
@@ -2134,7 +2134,7 @@
           <a:p>
             <a:fld id="{330EA680-D336-4FF7-8B7A-9848BB0A1C32}" type="slidenum">
               <a:rPr lang="en-US" smtClean="0"/>
-              <a:t>‹#›</a:t>
+              <a:t>‹nr.›</a:t>
             </a:fld>
             <a:endParaRPr lang="en-US"/>
           </a:p>
@@ -2210,7 +2210,7 @@
           <a:p>
             <a:fld id="{846CE7D5-CF57-46EF-B807-FDD0502418D4}" type="datetimeFigureOut">
               <a:rPr lang="en-US" smtClean="0"/>
-              <a:t>1/14/2025</a:t>
+              <a:t>1/15/2025</a:t>
             </a:fld>
             <a:endParaRPr lang="en-US"/>
           </a:p>
@@ -2252,7 +2252,7 @@
           <a:p>
             <a:fld id="{330EA680-D336-4FF7-8B7A-9848BB0A1C32}" type="slidenum">
               <a:rPr lang="en-US" smtClean="0"/>
-              <a:t>‹#›</a:t>
+              <a:t>‹nr.›</a:t>
             </a:fld>
             <a:endParaRPr lang="en-US"/>
           </a:p>
@@ -2305,7 +2305,7 @@
           <a:p>
             <a:fld id="{846CE7D5-CF57-46EF-B807-FDD0502418D4}" type="datetimeFigureOut">
               <a:rPr lang="en-US" smtClean="0"/>
-              <a:t>1/14/2025</a:t>
+              <a:t>1/15/2025</a:t>
             </a:fld>
             <a:endParaRPr lang="en-US"/>
           </a:p>
@@ -2347,7 +2347,7 @@
           <a:p>
             <a:fld id="{330EA680-D336-4FF7-8B7A-9848BB0A1C32}" type="slidenum">
               <a:rPr lang="en-US" smtClean="0"/>
-              <a:t>‹#›</a:t>
+              <a:t>‹nr.›</a:t>
             </a:fld>
             <a:endParaRPr lang="en-US"/>
           </a:p>
@@ -2582,7 +2582,7 @@
           <a:p>
             <a:fld id="{846CE7D5-CF57-46EF-B807-FDD0502418D4}" type="datetimeFigureOut">
               <a:rPr lang="en-US" smtClean="0"/>
-              <a:t>1/14/2025</a:t>
+              <a:t>1/15/2025</a:t>
             </a:fld>
             <a:endParaRPr lang="en-US"/>
           </a:p>
@@ -2624,7 +2624,7 @@
           <a:p>
             <a:fld id="{330EA680-D336-4FF7-8B7A-9848BB0A1C32}" type="slidenum">
               <a:rPr lang="en-US" smtClean="0"/>
-              <a:t>‹#›</a:t>
+              <a:t>‹nr.›</a:t>
             </a:fld>
             <a:endParaRPr lang="en-US"/>
           </a:p>
@@ -2839,7 +2839,7 @@
           <a:p>
             <a:fld id="{846CE7D5-CF57-46EF-B807-FDD0502418D4}" type="datetimeFigureOut">
               <a:rPr lang="en-US" smtClean="0"/>
-              <a:t>1/14/2025</a:t>
+              <a:t>1/15/2025</a:t>
             </a:fld>
             <a:endParaRPr lang="en-US"/>
           </a:p>
@@ -2881,7 +2881,7 @@
           <a:p>
             <a:fld id="{330EA680-D336-4FF7-8B7A-9848BB0A1C32}" type="slidenum">
               <a:rPr lang="en-US" smtClean="0"/>
-              <a:t>‹#›</a:t>
+              <a:t>‹nr.›</a:t>
             </a:fld>
             <a:endParaRPr lang="en-US"/>
           </a:p>
@@ -3052,7 +3052,7 @@
           <a:p>
             <a:fld id="{846CE7D5-CF57-46EF-B807-FDD0502418D4}" type="datetimeFigureOut">
               <a:rPr lang="en-US" smtClean="0"/>
-              <a:t>1/14/2025</a:t>
+              <a:t>1/15/2025</a:t>
             </a:fld>
             <a:endParaRPr lang="en-US"/>
           </a:p>
@@ -3130,7 +3130,7 @@
           <a:p>
             <a:fld id="{330EA680-D336-4FF7-8B7A-9848BB0A1C32}" type="slidenum">
               <a:rPr lang="en-US" smtClean="0"/>
-              <a:t>‹#›</a:t>
+              <a:t>‹nr.›</a:t>
             </a:fld>
             <a:endParaRPr lang="en-US"/>
           </a:p>
@@ -3588,7 +3588,6 @@
               <a:rPr lang="en-US" dirty="0"/>
               <a:t>Max-value scaling</a:t>
             </a:r>
-            <a:endParaRPr lang="en-US"/>
           </a:p>
           <a:p>
             <a:pPr marL="514350" indent="-514350">
@@ -3596,7 +3595,15 @@
             </a:pPr>
             <a:r>
               <a:rPr lang="en-US" dirty="0"/>
-              <a:t>Sinusoidal scaling (NB)</a:t>
+              <a:t>Sinusoidal scaling (NB) – Scale known amplitude (</a:t>
+            </a:r>
+            <a:r>
+              <a:rPr lang="en-US" dirty="0" err="1"/>
+              <a:t>fx</a:t>
+            </a:r>
+            <a:r>
+              <a:rPr lang="en-US" dirty="0"/>
+              <a:t> carrier)</a:t>
             </a:r>
           </a:p>
           <a:p>
@@ -3607,9 +3614,138 @@
               <a:rPr lang="en-US" dirty="0"/>
               <a:t>Variance scaling</a:t>
             </a:r>
-          </a:p>
-        </p:txBody>
-      </p:sp>
+            <a:r>
+              <a:rPr lang="pt-BR" dirty="0"/>
+              <a:t> -</a:t>
+            </a:r>
+            <a:endParaRPr lang="en-US" dirty="0"/>
+          </a:p>
+        </p:txBody>
+      </p:sp>
+      <p:grpSp>
+        <p:nvGrpSpPr>
+          <p:cNvPr id="9" name="Gruppe 8">
+            <a:extLst>
+              <a:ext uri="{FF2B5EF4-FFF2-40B4-BE49-F238E27FC236}">
+                <a16:creationId xmlns:a16="http://schemas.microsoft.com/office/drawing/2014/main" id="{B5FFDD23-E664-98B4-D074-D1B8C3EFAA00}"/>
+              </a:ext>
+            </a:extLst>
+          </p:cNvPr>
+          <p:cNvGrpSpPr/>
+          <p:nvPr/>
+        </p:nvGrpSpPr>
+        <p:grpSpPr>
+          <a:xfrm>
+            <a:off x="4205179" y="2734624"/>
+            <a:ext cx="7793117" cy="762742"/>
+            <a:chOff x="1518603" y="3303697"/>
+            <a:chExt cx="8123554" cy="1014095"/>
+          </a:xfrm>
+        </p:grpSpPr>
+        <p:pic>
+          <p:nvPicPr>
+            <p:cNvPr id="5" name="Billede 4">
+              <a:extLst>
+                <a:ext uri="{FF2B5EF4-FFF2-40B4-BE49-F238E27FC236}">
+                  <a16:creationId xmlns:a16="http://schemas.microsoft.com/office/drawing/2014/main" id="{A162EC06-AE42-89FC-ADB9-D617904EE7DC}"/>
+                </a:ext>
+              </a:extLst>
+            </p:cNvPr>
+            <p:cNvPicPr>
+              <a:picLocks noChangeAspect="1"/>
+            </p:cNvPicPr>
+            <p:nvPr/>
+          </p:nvPicPr>
+          <p:blipFill>
+            <a:blip r:embed="rId2"/>
+            <a:stretch>
+              <a:fillRect/>
+            </a:stretch>
+          </p:blipFill>
+          <p:spPr>
+            <a:xfrm>
+              <a:off x="1518603" y="3303697"/>
+              <a:ext cx="2667000" cy="942975"/>
+            </a:xfrm>
+            <a:prstGeom prst="rect">
+              <a:avLst/>
+            </a:prstGeom>
+          </p:spPr>
+        </p:pic>
+        <p:pic>
+          <p:nvPicPr>
+            <p:cNvPr id="7" name="Billede 6">
+              <a:extLst>
+                <a:ext uri="{FF2B5EF4-FFF2-40B4-BE49-F238E27FC236}">
+                  <a16:creationId xmlns:a16="http://schemas.microsoft.com/office/drawing/2014/main" id="{C4A4A020-2605-B1D3-B0AE-B065C8707317}"/>
+                </a:ext>
+              </a:extLst>
+            </p:cNvPr>
+            <p:cNvPicPr>
+              <a:picLocks noChangeAspect="1"/>
+            </p:cNvPicPr>
+            <p:nvPr/>
+          </p:nvPicPr>
+          <p:blipFill>
+            <a:blip r:embed="rId3"/>
+            <a:stretch>
+              <a:fillRect/>
+            </a:stretch>
+          </p:blipFill>
+          <p:spPr>
+            <a:xfrm>
+              <a:off x="4297045" y="3451017"/>
+              <a:ext cx="3333750" cy="866775"/>
+            </a:xfrm>
+            <a:prstGeom prst="rect">
+              <a:avLst/>
+            </a:prstGeom>
+          </p:spPr>
+        </p:pic>
+        <p:sp>
+          <p:nvSpPr>
+            <p:cNvPr id="8" name="Tekstfelt 7">
+              <a:extLst>
+                <a:ext uri="{FF2B5EF4-FFF2-40B4-BE49-F238E27FC236}">
+                  <a16:creationId xmlns:a16="http://schemas.microsoft.com/office/drawing/2014/main" id="{CEF67943-A65D-CC40-04F8-2CD22C9A345C}"/>
+                </a:ext>
+              </a:extLst>
+            </p:cNvPr>
+            <p:cNvSpPr txBox="1"/>
+            <p:nvPr/>
+          </p:nvSpPr>
+          <p:spPr>
+            <a:xfrm>
+              <a:off x="7742237" y="3659396"/>
+              <a:ext cx="1899920" cy="307777"/>
+            </a:xfrm>
+            <a:prstGeom prst="rect">
+              <a:avLst/>
+            </a:prstGeom>
+            <a:noFill/>
+          </p:spPr>
+          <p:txBody>
+            <a:bodyPr wrap="square" rtlCol="0">
+              <a:spAutoFit/>
+            </a:bodyPr>
+            <a:lstStyle/>
+            <a:p>
+              <a:r>
+                <a:rPr lang="da-DK" sz="1400" dirty="0"/>
+                <a:t>µ = </a:t>
+              </a:r>
+              <a:r>
+                <a:rPr lang="da-DK" sz="1400" dirty="0" err="1"/>
+                <a:t>mean</a:t>
+              </a:r>
+              <a:r>
+                <a:rPr lang="da-DK" sz="1400" dirty="0"/>
+                <a:t>(x[n])</a:t>
+              </a:r>
+            </a:p>
+          </p:txBody>
+        </p:sp>
+      </p:grpSp>
     </p:spTree>
     <p:extLst>
       <p:ext uri="{BB962C8B-B14F-4D97-AF65-F5344CB8AC3E}">
